--- a/econ/cetin/cetin.pptx
+++ b/econ/cetin/cetin.pptx
@@ -9,9 +9,9 @@
   </p:notesMasterIdLst>
   <p:sldIdLst>
     <p:sldId id="256" r:id="rId2"/>
-    <p:sldId id="258" r:id="rId3"/>
-    <p:sldId id="257" r:id="rId4"/>
-    <p:sldId id="259" r:id="rId5"/>
+    <p:sldId id="259" r:id="rId3"/>
+    <p:sldId id="258" r:id="rId4"/>
+    <p:sldId id="257" r:id="rId5"/>
     <p:sldId id="260" r:id="rId6"/>
     <p:sldId id="261" r:id="rId7"/>
     <p:sldId id="262" r:id="rId8"/>
@@ -116,6 +116,11 @@
       </a:defRPr>
     </a:lvl9pPr>
   </p:defaultTextStyle>
+  <p:extLst>
+    <p:ext uri="{EFAFB233-063F-42B5-8137-9DF3F51BA10A}">
+      <p15:sldGuideLst xmlns:p15="http://schemas.microsoft.com/office/powerpoint/2012/main"/>
+    </p:ext>
+  </p:extLst>
 </p:presentation>
 </file>
 
@@ -2025,7 +2030,7 @@
   <dgm:whole/>
   <dgm:extLst>
     <a:ext uri="http://schemas.microsoft.com/office/drawing/2008/diagram">
-      <dsp:dataModelExt xmlns:dsp="http://schemas.microsoft.com/office/drawing/2008/diagram" relId="rId7" minVer="http://schemas.openxmlformats.org/drawingml/2006/diagram"/>
+      <dsp:dataModelExt xmlns:dsp="http://schemas.microsoft.com/office/drawing/2008/diagram" relId="rId8" minVer="http://schemas.openxmlformats.org/drawingml/2006/diagram"/>
     </a:ext>
   </dgm:extLst>
 </dgm:dataModel>
@@ -12018,13 +12023,13 @@
   <p:clrMapOvr>
     <a:masterClrMapping/>
   </p:clrMapOvr>
-  <mc:AlternateContent xmlns:mc="http://schemas.openxmlformats.org/markup-compatibility/2006">
-    <mc:Choice xmlns:p159="http://schemas.microsoft.com/office/powerpoint/2015/09/main" Requires="p159">
+  <mc:AlternateContent xmlns:mc="http://schemas.openxmlformats.org/markup-compatibility/2006" xmlns:p159="http://schemas.microsoft.com/office/powerpoint/2015/09/main">
+    <mc:Choice Requires="p159">
       <p:transition xmlns:p14="http://schemas.microsoft.com/office/powerpoint/2010/main" p14:dur="400">
         <p159:morph option="byObject"/>
       </p:transition>
     </mc:Choice>
-    <mc:Fallback>
+    <mc:Fallback xmlns="">
       <p:transition>
         <p:fade/>
       </p:transition>
@@ -12303,13 +12308,25 @@
           <a:lstStyle/>
           <a:p>
             <a:r>
-              <a:rPr lang="ru-RU" sz="2300">
+              <a:rPr lang="ru-RU" sz="2300" dirty="0">
                 <a:solidFill>
-                  <a:srgbClr val="FFFFFF"/>
+                  <a:schemeClr val="bg1"/>
                 </a:solidFill>
+                <a:hlinkClick r:id="rId3">
+                  <a:extLst>
+                    <a:ext uri="{A12FA001-AC4F-418D-AE19-62706E023703}">
+                      <ahyp:hlinkClr xmlns:ahyp="http://schemas.microsoft.com/office/drawing/2018/hyperlinkcolor" val="tx"/>
+                    </a:ext>
+                  </a:extLst>
+                </a:hlinkClick>
               </a:rPr>
               <a:t>Оценка стоимости разработки И сопровождения По ИС</a:t>
             </a:r>
+            <a:endParaRPr lang="ru-RU" sz="2300" dirty="0">
+              <a:solidFill>
+                <a:schemeClr val="bg1"/>
+              </a:solidFill>
+            </a:endParaRPr>
           </a:p>
         </p:txBody>
       </p:sp>
@@ -12340,7 +12357,7 @@
         </p:xfrm>
         <a:graphic>
           <a:graphicData uri="http://schemas.openxmlformats.org/drawingml/2006/diagram">
-            <dgm:relIds xmlns:dgm="http://schemas.openxmlformats.org/drawingml/2006/diagram" xmlns:r="http://schemas.openxmlformats.org/officeDocument/2006/relationships" r:dm="rId3" r:lo="rId4" r:qs="rId5" r:cs="rId6"/>
+            <dgm:relIds xmlns:dgm="http://schemas.openxmlformats.org/drawingml/2006/diagram" xmlns:r="http://schemas.openxmlformats.org/officeDocument/2006/relationships" r:dm="rId4" r:lo="rId5" r:qs="rId6" r:cs="rId7"/>
           </a:graphicData>
         </a:graphic>
       </p:graphicFrame>
@@ -12354,13 +12371,13 @@
   <p:clrMapOvr>
     <a:overrideClrMapping bg1="lt1" tx1="dk1" bg2="lt2" tx2="dk2" accent1="accent1" accent2="accent2" accent3="accent3" accent4="accent4" accent5="accent5" accent6="accent6" hlink="hlink" folHlink="folHlink"/>
   </p:clrMapOvr>
-  <mc:AlternateContent xmlns:mc="http://schemas.openxmlformats.org/markup-compatibility/2006">
-    <mc:Choice xmlns:p159="http://schemas.microsoft.com/office/powerpoint/2015/09/main" Requires="p159">
+  <mc:AlternateContent xmlns:mc="http://schemas.openxmlformats.org/markup-compatibility/2006" xmlns:p159="http://schemas.microsoft.com/office/powerpoint/2015/09/main">
+    <mc:Choice Requires="p159">
       <p:transition xmlns:p14="http://schemas.microsoft.com/office/powerpoint/2010/main" p14:dur="400">
         <p159:morph option="byObject"/>
       </p:transition>
     </mc:Choice>
-    <mc:Fallback>
+    <mc:Fallback xmlns="">
       <p:transition>
         <p:fade/>
       </p:transition>
@@ -12370,6 +12387,215 @@
 </file>
 
 <file path=ppt/slides/slide2.xml><?xml version="1.0" encoding="utf-8"?>
+<p:sld xmlns:a="http://schemas.openxmlformats.org/drawingml/2006/main" xmlns:r="http://schemas.openxmlformats.org/officeDocument/2006/relationships" xmlns:p="http://schemas.openxmlformats.org/presentationml/2006/main">
+  <p:cSld>
+    <p:bg>
+      <p:bgPr>
+        <a:blipFill>
+          <a:blip r:embed="rId2">
+            <a:extLst/>
+          </a:blip>
+          <a:stretch/>
+        </a:blipFill>
+        <a:effectLst/>
+      </p:bgPr>
+    </p:bg>
+    <p:spTree>
+      <p:nvGrpSpPr>
+        <p:cNvPr id="1" name=""/>
+        <p:cNvGrpSpPr/>
+        <p:nvPr/>
+      </p:nvGrpSpPr>
+      <p:grpSpPr>
+        <a:xfrm>
+          <a:off x="0" y="0"/>
+          <a:ext cx="0" cy="0"/>
+          <a:chOff x="0" y="0"/>
+          <a:chExt cx="0" cy="0"/>
+        </a:xfrm>
+      </p:grpSpPr>
+      <p:pic>
+        <p:nvPicPr>
+          <p:cNvPr id="20" name="Picture 19">
+            <a:extLst>
+              <a:ext uri="{FF2B5EF4-FFF2-40B4-BE49-F238E27FC236}">
+                <a16:creationId xmlns:a16="http://schemas.microsoft.com/office/drawing/2014/main" id="{F3812132-56AD-436D-A522-B55990A6A8E0}"/>
+              </a:ext>
+              <a:ext uri="{C183D7F6-B498-43B3-948B-1728B52AA6E4}">
+                <adec:decorative xmlns:adec="http://schemas.microsoft.com/office/drawing/2017/decorative" val="1"/>
+              </a:ext>
+            </a:extLst>
+          </p:cNvPr>
+          <p:cNvPicPr>
+            <a:picLocks noGrp="1" noRot="1" noChangeAspect="1" noMove="1" noResize="1" noEditPoints="1" noAdjustHandles="1" noChangeArrowheads="1" noChangeShapeType="1" noCrop="1"/>
+          </p:cNvPicPr>
+          <p:nvPr>
+            <p:extLst>
+              <p:ext uri="{386F3935-93C4-4BCD-93E2-E3B085C9AB24}">
+                <p16:designElem xmlns:p16="http://schemas.microsoft.com/office/powerpoint/2015/main" val="1"/>
+              </p:ext>
+            </p:extLst>
+          </p:nvPr>
+        </p:nvPicPr>
+        <p:blipFill>
+          <a:blip r:embed="rId3">
+            <a:extLst>
+              <a:ext uri="{28A0092B-C50C-407E-A947-70E740481C1C}">
+                <a14:useLocalDpi xmlns:a14="http://schemas.microsoft.com/office/drawing/2010/main" val="0"/>
+              </a:ext>
+            </a:extLst>
+          </a:blip>
+          <a:stretch>
+            <a:fillRect/>
+          </a:stretch>
+        </p:blipFill>
+        <p:spPr>
+          <a:xfrm>
+            <a:off x="0" y="0"/>
+            <a:ext cx="12188825" cy="6856214"/>
+          </a:xfrm>
+          <a:prstGeom prst="rect">
+            <a:avLst/>
+          </a:prstGeom>
+        </p:spPr>
+      </p:pic>
+      <p:sp>
+        <p:nvSpPr>
+          <p:cNvPr id="2" name="Title 1">
+            <a:extLst>
+              <a:ext uri="{FF2B5EF4-FFF2-40B4-BE49-F238E27FC236}">
+                <a16:creationId xmlns:a16="http://schemas.microsoft.com/office/drawing/2014/main" id="{E1824EE9-41F4-4AD0-9671-7A4368C7BDED}"/>
+              </a:ext>
+            </a:extLst>
+          </p:cNvPr>
+          <p:cNvSpPr>
+            <a:spLocks noGrp="1"/>
+          </p:cNvSpPr>
+          <p:nvPr>
+            <p:ph type="title"/>
+          </p:nvPr>
+        </p:nvSpPr>
+        <p:spPr>
+          <a:xfrm>
+            <a:off x="8180983" y="639097"/>
+            <a:ext cx="3352256" cy="3746634"/>
+          </a:xfrm>
+        </p:spPr>
+        <p:txBody>
+          <a:bodyPr vert="horz" lIns="91440" tIns="45720" rIns="91440" bIns="45720" rtlCol="0" anchor="b">
+            <a:normAutofit/>
+          </a:bodyPr>
+          <a:lstStyle/>
+          <a:p>
+            <a:pPr algn="r"/>
+            <a:r>
+              <a:rPr lang="en-US" sz="2600" dirty="0" err="1"/>
+              <a:t>Оценка</a:t>
+            </a:r>
+            <a:r>
+              <a:rPr lang="en-US" sz="2600" dirty="0"/>
+              <a:t> </a:t>
+            </a:r>
+            <a:r>
+              <a:rPr lang="en-US" sz="2600" dirty="0" err="1"/>
+              <a:t>функционального</a:t>
+            </a:r>
+            <a:r>
+              <a:rPr lang="en-US" sz="2600" dirty="0"/>
+              <a:t> </a:t>
+            </a:r>
+            <a:r>
+              <a:rPr lang="en-US" sz="2600" dirty="0" err="1"/>
+              <a:t>размера</a:t>
+            </a:r>
+            <a:endParaRPr lang="en-US" sz="2600" dirty="0"/>
+          </a:p>
+        </p:txBody>
+      </p:sp>
+      <p:pic>
+        <p:nvPicPr>
+          <p:cNvPr id="15" name="Picture 14" descr="A screenshot of a cell phone&#10;&#10;Description automatically generated">
+            <a:extLst>
+              <a:ext uri="{FF2B5EF4-FFF2-40B4-BE49-F238E27FC236}">
+                <a16:creationId xmlns:a16="http://schemas.microsoft.com/office/drawing/2014/main" id="{79FEFF4C-7C59-4DDB-BF84-2291278B69F6}"/>
+              </a:ext>
+            </a:extLst>
+          </p:cNvPr>
+          <p:cNvPicPr>
+            <a:picLocks noChangeAspect="1"/>
+          </p:cNvPicPr>
+          <p:nvPr/>
+        </p:nvPicPr>
+        <p:blipFill>
+          <a:blip r:embed="rId4"/>
+          <a:stretch>
+            <a:fillRect/>
+          </a:stretch>
+        </p:blipFill>
+        <p:spPr>
+          <a:xfrm>
+            <a:off x="1138738" y="299623"/>
+            <a:ext cx="5903508" cy="6263670"/>
+          </a:xfrm>
+          <a:prstGeom prst="roundRect">
+            <a:avLst>
+              <a:gd name="adj" fmla="val 4380"/>
+            </a:avLst>
+          </a:prstGeom>
+          <a:ln w="50800" cap="sq" cmpd="dbl">
+            <a:gradFill flip="none" rotWithShape="1">
+              <a:gsLst>
+                <a:gs pos="0">
+                  <a:srgbClr val="FFFFFF"/>
+                </a:gs>
+                <a:gs pos="100000">
+                  <a:schemeClr val="tx1">
+                    <a:alpha val="0"/>
+                  </a:schemeClr>
+                </a:gs>
+              </a:gsLst>
+              <a:path path="circle">
+                <a:fillToRect l="50000" t="50000" r="50000" b="50000"/>
+              </a:path>
+              <a:tileRect/>
+            </a:gradFill>
+            <a:miter lim="800000"/>
+          </a:ln>
+          <a:effectLst>
+            <a:outerShdw blurRad="254000" algn="tl" rotWithShape="0">
+              <a:srgbClr val="000000">
+                <a:alpha val="43000"/>
+              </a:srgbClr>
+            </a:outerShdw>
+          </a:effectLst>
+        </p:spPr>
+      </p:pic>
+    </p:spTree>
+    <p:extLst>
+      <p:ext uri="{BB962C8B-B14F-4D97-AF65-F5344CB8AC3E}">
+        <p14:creationId xmlns:p14="http://schemas.microsoft.com/office/powerpoint/2010/main" val="4269771077"/>
+      </p:ext>
+    </p:extLst>
+  </p:cSld>
+  <p:clrMapOvr>
+    <a:masterClrMapping/>
+  </p:clrMapOvr>
+  <mc:AlternateContent xmlns:mc="http://schemas.openxmlformats.org/markup-compatibility/2006" xmlns:p159="http://schemas.microsoft.com/office/powerpoint/2015/09/main">
+    <mc:Choice Requires="p159">
+      <p:transition xmlns:p14="http://schemas.microsoft.com/office/powerpoint/2010/main" p14:dur="400">
+        <p159:morph option="byObject"/>
+      </p:transition>
+    </mc:Choice>
+    <mc:Fallback xmlns="">
+      <p:transition>
+        <p:fade/>
+      </p:transition>
+    </mc:Fallback>
+  </mc:AlternateContent>
+</p:sld>
+</file>
+
+<file path=ppt/slides/slide3.xml><?xml version="1.0" encoding="utf-8"?>
 <p:sld xmlns:a="http://schemas.openxmlformats.org/drawingml/2006/main" xmlns:r="http://schemas.openxmlformats.org/officeDocument/2006/relationships" xmlns:p="http://schemas.openxmlformats.org/presentationml/2006/main">
   <p:cSld>
     <p:bg>
@@ -12546,13 +12772,13 @@
   <p:clrMapOvr>
     <a:masterClrMapping/>
   </p:clrMapOvr>
-  <mc:AlternateContent xmlns:mc="http://schemas.openxmlformats.org/markup-compatibility/2006">
-    <mc:Choice xmlns:p159="http://schemas.microsoft.com/office/powerpoint/2015/09/main" Requires="p159">
+  <mc:AlternateContent xmlns:mc="http://schemas.openxmlformats.org/markup-compatibility/2006" xmlns:p159="http://schemas.microsoft.com/office/powerpoint/2015/09/main">
+    <mc:Choice Requires="p159">
       <p:transition xmlns:p14="http://schemas.microsoft.com/office/powerpoint/2010/main" p14:dur="400">
         <p159:morph option="byObject"/>
       </p:transition>
     </mc:Choice>
-    <mc:Fallback>
+    <mc:Fallback xmlns="">
       <p:transition>
         <p:fade/>
       </p:transition>
@@ -12561,7 +12787,7 @@
 </p:sld>
 </file>
 
-<file path=ppt/slides/slide3.xml><?xml version="1.0" encoding="utf-8"?>
+<file path=ppt/slides/slide4.xml><?xml version="1.0" encoding="utf-8"?>
 <p:sld xmlns:a="http://schemas.openxmlformats.org/drawingml/2006/main" xmlns:r="http://schemas.openxmlformats.org/officeDocument/2006/relationships" xmlns:p="http://schemas.openxmlformats.org/presentationml/2006/main">
   <p:cSld>
     <p:bg>
@@ -12738,222 +12964,13 @@
   <p:clrMapOvr>
     <a:masterClrMapping/>
   </p:clrMapOvr>
-  <mc:AlternateContent xmlns:mc="http://schemas.openxmlformats.org/markup-compatibility/2006">
-    <mc:Choice xmlns:p159="http://schemas.microsoft.com/office/powerpoint/2015/09/main" Requires="p159">
+  <mc:AlternateContent xmlns:mc="http://schemas.openxmlformats.org/markup-compatibility/2006" xmlns:p159="http://schemas.microsoft.com/office/powerpoint/2015/09/main">
+    <mc:Choice Requires="p159">
       <p:transition xmlns:p14="http://schemas.microsoft.com/office/powerpoint/2010/main" p14:dur="400">
         <p159:morph option="byObject"/>
       </p:transition>
     </mc:Choice>
-    <mc:Fallback>
-      <p:transition>
-        <p:fade/>
-      </p:transition>
-    </mc:Fallback>
-  </mc:AlternateContent>
-</p:sld>
-</file>
-
-<file path=ppt/slides/slide4.xml><?xml version="1.0" encoding="utf-8"?>
-<p:sld xmlns:a="http://schemas.openxmlformats.org/drawingml/2006/main" xmlns:r="http://schemas.openxmlformats.org/officeDocument/2006/relationships" xmlns:p="http://schemas.openxmlformats.org/presentationml/2006/main">
-  <p:cSld>
-    <p:bg>
-      <p:bgPr>
-        <a:blipFill>
-          <a:blip r:embed="rId2">
-            <a:extLst/>
-          </a:blip>
-          <a:stretch/>
-        </a:blipFill>
-        <a:effectLst/>
-      </p:bgPr>
-    </p:bg>
-    <p:spTree>
-      <p:nvGrpSpPr>
-        <p:cNvPr id="1" name=""/>
-        <p:cNvGrpSpPr/>
-        <p:nvPr/>
-      </p:nvGrpSpPr>
-      <p:grpSpPr>
-        <a:xfrm>
-          <a:off x="0" y="0"/>
-          <a:ext cx="0" cy="0"/>
-          <a:chOff x="0" y="0"/>
-          <a:chExt cx="0" cy="0"/>
-        </a:xfrm>
-      </p:grpSpPr>
-      <p:pic>
-        <p:nvPicPr>
-          <p:cNvPr id="20" name="Picture 19">
-            <a:extLst>
-              <a:ext uri="{FF2B5EF4-FFF2-40B4-BE49-F238E27FC236}">
-                <a16:creationId xmlns:a16="http://schemas.microsoft.com/office/drawing/2014/main" id="{F3812132-56AD-436D-A522-B55990A6A8E0}"/>
-              </a:ext>
-              <a:ext uri="{C183D7F6-B498-43B3-948B-1728B52AA6E4}">
-                <adec:decorative xmlns:adec="http://schemas.microsoft.com/office/drawing/2017/decorative" val="1"/>
-              </a:ext>
-            </a:extLst>
-          </p:cNvPr>
-          <p:cNvPicPr>
-            <a:picLocks noGrp="1" noRot="1" noChangeAspect="1" noMove="1" noResize="1" noEditPoints="1" noAdjustHandles="1" noChangeArrowheads="1" noChangeShapeType="1" noCrop="1"/>
-          </p:cNvPicPr>
-          <p:nvPr>
-            <p:extLst>
-              <p:ext uri="{386F3935-93C4-4BCD-93E2-E3B085C9AB24}">
-                <p16:designElem xmlns:p16="http://schemas.microsoft.com/office/powerpoint/2015/main" val="1"/>
-              </p:ext>
-            </p:extLst>
-          </p:nvPr>
-        </p:nvPicPr>
-        <p:blipFill>
-          <a:blip r:embed="rId3">
-            <a:extLst>
-              <a:ext uri="{28A0092B-C50C-407E-A947-70E740481C1C}">
-                <a14:useLocalDpi xmlns:a14="http://schemas.microsoft.com/office/drawing/2010/main" val="0"/>
-              </a:ext>
-            </a:extLst>
-          </a:blip>
-          <a:stretch>
-            <a:fillRect/>
-          </a:stretch>
-        </p:blipFill>
-        <p:spPr>
-          <a:xfrm>
-            <a:off x="0" y="0"/>
-            <a:ext cx="12188825" cy="6856214"/>
-          </a:xfrm>
-          <a:prstGeom prst="rect">
-            <a:avLst/>
-          </a:prstGeom>
-        </p:spPr>
-      </p:pic>
-      <p:sp>
-        <p:nvSpPr>
-          <p:cNvPr id="2" name="Title 1">
-            <a:extLst>
-              <a:ext uri="{FF2B5EF4-FFF2-40B4-BE49-F238E27FC236}">
-                <a16:creationId xmlns:a16="http://schemas.microsoft.com/office/drawing/2014/main" id="{E1824EE9-41F4-4AD0-9671-7A4368C7BDED}"/>
-              </a:ext>
-            </a:extLst>
-          </p:cNvPr>
-          <p:cNvSpPr>
-            <a:spLocks noGrp="1"/>
-          </p:cNvSpPr>
-          <p:nvPr>
-            <p:ph type="title"/>
-          </p:nvPr>
-        </p:nvSpPr>
-        <p:spPr>
-          <a:xfrm>
-            <a:off x="8180983" y="639097"/>
-            <a:ext cx="3352256" cy="3746634"/>
-          </a:xfrm>
-        </p:spPr>
-        <p:txBody>
-          <a:bodyPr vert="horz" lIns="91440" tIns="45720" rIns="91440" bIns="45720" rtlCol="0" anchor="b">
-            <a:normAutofit/>
-          </a:bodyPr>
-          <a:lstStyle/>
-          <a:p>
-            <a:pPr algn="r"/>
-            <a:r>
-              <a:rPr lang="en-US" sz="2600" dirty="0" err="1"/>
-              <a:t>Оценка</a:t>
-            </a:r>
-            <a:r>
-              <a:rPr lang="en-US" sz="2600" dirty="0"/>
-              <a:t> </a:t>
-            </a:r>
-            <a:r>
-              <a:rPr lang="en-US" sz="2600" dirty="0" err="1"/>
-              <a:t>функционального</a:t>
-            </a:r>
-            <a:r>
-              <a:rPr lang="en-US" sz="2600" dirty="0"/>
-              <a:t> </a:t>
-            </a:r>
-            <a:r>
-              <a:rPr lang="en-US" sz="2600" dirty="0" err="1"/>
-              <a:t>размера</a:t>
-            </a:r>
-            <a:endParaRPr lang="en-US" sz="2600" dirty="0"/>
-          </a:p>
-        </p:txBody>
-      </p:sp>
-      <p:pic>
-        <p:nvPicPr>
-          <p:cNvPr id="15" name="Picture 14" descr="A screenshot of a cell phone&#10;&#10;Description automatically generated">
-            <a:extLst>
-              <a:ext uri="{FF2B5EF4-FFF2-40B4-BE49-F238E27FC236}">
-                <a16:creationId xmlns:a16="http://schemas.microsoft.com/office/drawing/2014/main" id="{79FEFF4C-7C59-4DDB-BF84-2291278B69F6}"/>
-              </a:ext>
-            </a:extLst>
-          </p:cNvPr>
-          <p:cNvPicPr>
-            <a:picLocks noChangeAspect="1"/>
-          </p:cNvPicPr>
-          <p:nvPr/>
-        </p:nvPicPr>
-        <p:blipFill>
-          <a:blip r:embed="rId4"/>
-          <a:stretch>
-            <a:fillRect/>
-          </a:stretch>
-        </p:blipFill>
-        <p:spPr>
-          <a:xfrm>
-            <a:off x="1138738" y="299623"/>
-            <a:ext cx="5903508" cy="6263670"/>
-          </a:xfrm>
-          <a:prstGeom prst="roundRect">
-            <a:avLst>
-              <a:gd name="adj" fmla="val 4380"/>
-            </a:avLst>
-          </a:prstGeom>
-          <a:ln w="50800" cap="sq" cmpd="dbl">
-            <a:gradFill flip="none" rotWithShape="1">
-              <a:gsLst>
-                <a:gs pos="0">
-                  <a:srgbClr val="FFFFFF"/>
-                </a:gs>
-                <a:gs pos="100000">
-                  <a:schemeClr val="tx1">
-                    <a:alpha val="0"/>
-                  </a:schemeClr>
-                </a:gs>
-              </a:gsLst>
-              <a:path path="circle">
-                <a:fillToRect l="50000" t="50000" r="50000" b="50000"/>
-              </a:path>
-              <a:tileRect/>
-            </a:gradFill>
-            <a:miter lim="800000"/>
-          </a:ln>
-          <a:effectLst>
-            <a:outerShdw blurRad="254000" algn="tl" rotWithShape="0">
-              <a:srgbClr val="000000">
-                <a:alpha val="43000"/>
-              </a:srgbClr>
-            </a:outerShdw>
-          </a:effectLst>
-        </p:spPr>
-      </p:pic>
-    </p:spTree>
-    <p:extLst>
-      <p:ext uri="{BB962C8B-B14F-4D97-AF65-F5344CB8AC3E}">
-        <p14:creationId xmlns:p14="http://schemas.microsoft.com/office/powerpoint/2010/main" val="4269771077"/>
-      </p:ext>
-    </p:extLst>
-  </p:cSld>
-  <p:clrMapOvr>
-    <a:masterClrMapping/>
-  </p:clrMapOvr>
-  <mc:AlternateContent xmlns:mc="http://schemas.openxmlformats.org/markup-compatibility/2006">
-    <mc:Choice xmlns:p159="http://schemas.microsoft.com/office/powerpoint/2015/09/main" Requires="p159">
-      <p:transition xmlns:p14="http://schemas.microsoft.com/office/powerpoint/2010/main" p14:dur="400">
-        <p159:morph option="byObject"/>
-      </p:transition>
-    </mc:Choice>
-    <mc:Fallback>
+    <mc:Fallback xmlns="">
       <p:transition>
         <p:fade/>
       </p:transition>
@@ -13024,8 +13041,8 @@
           </a:p>
         </p:txBody>
       </p:sp>
-      <mc:AlternateContent xmlns:mc="http://schemas.openxmlformats.org/markup-compatibility/2006">
-        <mc:Choice xmlns:a14="http://schemas.microsoft.com/office/drawing/2010/main" Requires="a14">
+      <mc:AlternateContent xmlns:mc="http://schemas.openxmlformats.org/markup-compatibility/2006" xmlns:a14="http://schemas.microsoft.com/office/drawing/2010/main">
+        <mc:Choice Requires="a14">
           <p:sp>
             <p:nvSpPr>
               <p:cNvPr id="3" name="Content Placeholder 2">
@@ -13158,7 +13175,7 @@
             </p:txBody>
           </p:sp>
         </mc:Choice>
-        <mc:Fallback>
+        <mc:Fallback xmlns="">
           <p:sp>
             <p:nvSpPr>
               <p:cNvPr id="3" name="Content Placeholder 2">
@@ -13208,13 +13225,13 @@
   <p:clrMapOvr>
     <a:masterClrMapping/>
   </p:clrMapOvr>
-  <mc:AlternateContent xmlns:mc="http://schemas.openxmlformats.org/markup-compatibility/2006">
-    <mc:Choice xmlns:p159="http://schemas.microsoft.com/office/powerpoint/2015/09/main" Requires="p159">
+  <mc:AlternateContent xmlns:mc="http://schemas.openxmlformats.org/markup-compatibility/2006" xmlns:p159="http://schemas.microsoft.com/office/powerpoint/2015/09/main">
+    <mc:Choice Requires="p159">
       <p:transition xmlns:p14="http://schemas.microsoft.com/office/powerpoint/2010/main" p14:dur="400">
         <p159:morph option="byObject"/>
       </p:transition>
     </mc:Choice>
-    <mc:Fallback>
+    <mc:Fallback xmlns="">
       <p:transition>
         <p:fade/>
       </p:transition>
@@ -13573,7 +13590,7 @@
                     <a:p>
                       <a:pPr algn="ctr"/>
                       <a:r>
-                        <a:rPr lang="ru-RU" sz="1800" b="1">
+                        <a:rPr lang="ru-RU" sz="1800" b="1" dirty="0">
                           <a:solidFill>
                             <a:srgbClr val="FFFFFF"/>
                           </a:solidFill>
@@ -14360,13 +14377,13 @@
   <p:clrMapOvr>
     <a:overrideClrMapping bg1="lt1" tx1="dk1" bg2="lt2" tx2="dk2" accent1="accent1" accent2="accent2" accent3="accent3" accent4="accent4" accent5="accent5" accent6="accent6" hlink="hlink" folHlink="folHlink"/>
   </p:clrMapOvr>
-  <mc:AlternateContent xmlns:mc="http://schemas.openxmlformats.org/markup-compatibility/2006">
-    <mc:Choice xmlns:p159="http://schemas.microsoft.com/office/powerpoint/2015/09/main" Requires="p159">
+  <mc:AlternateContent xmlns:mc="http://schemas.openxmlformats.org/markup-compatibility/2006" xmlns:p159="http://schemas.microsoft.com/office/powerpoint/2015/09/main">
+    <mc:Choice Requires="p159">
       <p:transition xmlns:p14="http://schemas.microsoft.com/office/powerpoint/2010/main" p14:dur="400">
         <p159:morph option="byObject"/>
       </p:transition>
     </mc:Choice>
-    <mc:Fallback>
+    <mc:Fallback xmlns="">
       <p:transition>
         <p:fade/>
       </p:transition>
@@ -15517,13 +15534,13 @@
   <p:clrMapOvr>
     <a:overrideClrMapping bg1="lt1" tx1="dk1" bg2="lt2" tx2="dk2" accent1="accent1" accent2="accent2" accent3="accent3" accent4="accent4" accent5="accent5" accent6="accent6" hlink="hlink" folHlink="folHlink"/>
   </p:clrMapOvr>
-  <mc:AlternateContent xmlns:mc="http://schemas.openxmlformats.org/markup-compatibility/2006">
-    <mc:Choice xmlns:p159="http://schemas.microsoft.com/office/powerpoint/2015/09/main" Requires="p159">
+  <mc:AlternateContent xmlns:mc="http://schemas.openxmlformats.org/markup-compatibility/2006" xmlns:p159="http://schemas.microsoft.com/office/powerpoint/2015/09/main">
+    <mc:Choice Requires="p159">
       <p:transition xmlns:p14="http://schemas.microsoft.com/office/powerpoint/2010/main" p14:dur="400">
         <p159:morph option="byObject"/>
       </p:transition>
     </mc:Choice>
-    <mc:Fallback>
+    <mc:Fallback xmlns="">
       <p:transition>
         <p:fade/>
       </p:transition>
@@ -15638,13 +15655,13 @@
   <p:clrMapOvr>
     <a:masterClrMapping/>
   </p:clrMapOvr>
-  <mc:AlternateContent xmlns:mc="http://schemas.openxmlformats.org/markup-compatibility/2006">
-    <mc:Choice xmlns:p159="http://schemas.microsoft.com/office/powerpoint/2015/09/main" Requires="p159">
+  <mc:AlternateContent xmlns:mc="http://schemas.openxmlformats.org/markup-compatibility/2006" xmlns:p159="http://schemas.microsoft.com/office/powerpoint/2015/09/main">
+    <mc:Choice Requires="p159">
       <p:transition xmlns:p14="http://schemas.microsoft.com/office/powerpoint/2010/main" p14:dur="400">
         <p159:morph option="byObject"/>
       </p:transition>
     </mc:Choice>
-    <mc:Fallback>
+    <mc:Fallback xmlns="">
       <p:transition>
         <p:fade/>
       </p:transition>
@@ -15974,13 +15991,13 @@
   <p:clrMapOvr>
     <a:overrideClrMapping bg1="lt1" tx1="dk1" bg2="lt2" tx2="dk2" accent1="accent1" accent2="accent2" accent3="accent3" accent4="accent4" accent5="accent5" accent6="accent6" hlink="hlink" folHlink="folHlink"/>
   </p:clrMapOvr>
-  <mc:AlternateContent xmlns:mc="http://schemas.openxmlformats.org/markup-compatibility/2006">
-    <mc:Choice xmlns:p159="http://schemas.microsoft.com/office/powerpoint/2015/09/main" Requires="p159">
+  <mc:AlternateContent xmlns:mc="http://schemas.openxmlformats.org/markup-compatibility/2006" xmlns:p159="http://schemas.microsoft.com/office/powerpoint/2015/09/main">
+    <mc:Choice Requires="p159">
       <p:transition xmlns:p14="http://schemas.microsoft.com/office/powerpoint/2010/main" p14:dur="400">
         <p159:morph option="byObject"/>
       </p:transition>
     </mc:Choice>
-    <mc:Fallback>
+    <mc:Fallback xmlns="">
       <p:transition>
         <p:fade/>
       </p:transition>
